--- a/ppt 16-9/0901.和好.pptx
+++ b/ppt 16-9/0901.和好.pptx
@@ -5,7 +5,7 @@
     <p:sldMasterId id="2147483648" r:id="rId1"/>
   </p:sldMasterIdLst>
   <p:sldIdLst>
-    <p:sldId id="1916" r:id="rId2"/>
+    <p:sldId id="257" r:id="rId2"/>
   </p:sldIdLst>
   <p:sldSz cx="12192000" cy="6858000"/>
   <p:notesSz cx="6858000" cy="9144000"/>
@@ -129,7 +129,7 @@
           <p:cNvPr id="2" name="标题 1">
             <a:extLst>
               <a:ext uri="{FF2B5EF4-FFF2-40B4-BE49-F238E27FC236}">
-                <a16:creationId xmlns:a16="http://schemas.microsoft.com/office/drawing/2014/main" id="{95B51210-500C-5A98-2481-4D3EB8B193F0}"/>
+                <a16:creationId xmlns:a16="http://schemas.microsoft.com/office/drawing/2014/main" id="{1188B639-AD9B-D8BF-A9C2-6AAE697B83B9}"/>
               </a:ext>
             </a:extLst>
           </p:cNvPr>
@@ -166,7 +166,7 @@
           <p:cNvPr id="3" name="副标题 2">
             <a:extLst>
               <a:ext uri="{FF2B5EF4-FFF2-40B4-BE49-F238E27FC236}">
-                <a16:creationId xmlns:a16="http://schemas.microsoft.com/office/drawing/2014/main" id="{5CB1D4A4-CD66-BB8B-40F2-354DB26ABA34}"/>
+                <a16:creationId xmlns:a16="http://schemas.microsoft.com/office/drawing/2014/main" id="{E3279D7B-FD3C-1307-46AB-BB393486EB3E}"/>
               </a:ext>
             </a:extLst>
           </p:cNvPr>
@@ -236,7 +236,7 @@
           <p:cNvPr id="4" name="日期占位符 3">
             <a:extLst>
               <a:ext uri="{FF2B5EF4-FFF2-40B4-BE49-F238E27FC236}">
-                <a16:creationId xmlns:a16="http://schemas.microsoft.com/office/drawing/2014/main" id="{FBF0340D-71A2-3620-F361-5CDAB94168E4}"/>
+                <a16:creationId xmlns:a16="http://schemas.microsoft.com/office/drawing/2014/main" id="{D5101961-175F-D9FD-53AD-34E43A515004}"/>
               </a:ext>
             </a:extLst>
           </p:cNvPr>
@@ -252,7 +252,7 @@
           <a:bodyPr/>
           <a:lstStyle/>
           <a:p>
-            <a:fld id="{21E669C0-B810-43CF-B369-A616ACFD343E}" type="datetimeFigureOut">
+            <a:fld id="{D69AC01F-FA0F-4F37-A2AC-AD95329090D5}" type="datetimeFigureOut">
               <a:rPr lang="zh-CN" altLang="en-US" smtClean="0"/>
               <a:t>2024/3/10</a:t>
             </a:fld>
@@ -265,7 +265,7 @@
           <p:cNvPr id="5" name="页脚占位符 4">
             <a:extLst>
               <a:ext uri="{FF2B5EF4-FFF2-40B4-BE49-F238E27FC236}">
-                <a16:creationId xmlns:a16="http://schemas.microsoft.com/office/drawing/2014/main" id="{3EC16E95-0720-A223-EC2A-7EE72E04FBFA}"/>
+                <a16:creationId xmlns:a16="http://schemas.microsoft.com/office/drawing/2014/main" id="{C854066E-E03F-F435-23A8-0DCCB40C3741}"/>
               </a:ext>
             </a:extLst>
           </p:cNvPr>
@@ -290,7 +290,7 @@
           <p:cNvPr id="6" name="灯片编号占位符 5">
             <a:extLst>
               <a:ext uri="{FF2B5EF4-FFF2-40B4-BE49-F238E27FC236}">
-                <a16:creationId xmlns:a16="http://schemas.microsoft.com/office/drawing/2014/main" id="{2858BBD3-2CF4-4530-B9B9-7CA34ECCDA39}"/>
+                <a16:creationId xmlns:a16="http://schemas.microsoft.com/office/drawing/2014/main" id="{94712B89-9FFD-55EF-5591-17DE5D1E9931}"/>
               </a:ext>
             </a:extLst>
           </p:cNvPr>
@@ -306,7 +306,7 @@
           <a:bodyPr/>
           <a:lstStyle/>
           <a:p>
-            <a:fld id="{FA0C1F10-42C8-412F-8C9C-1A1E11D0B518}" type="slidenum">
+            <a:fld id="{8F7F42EE-693B-4D92-8DD8-D3B22B95D4B6}" type="slidenum">
               <a:rPr lang="zh-CN" altLang="en-US" smtClean="0"/>
               <a:t>‹#›</a:t>
             </a:fld>
@@ -317,7 +317,7 @@
     </p:spTree>
     <p:extLst>
       <p:ext uri="{BB962C8B-B14F-4D97-AF65-F5344CB8AC3E}">
-        <p14:creationId xmlns:p14="http://schemas.microsoft.com/office/powerpoint/2010/main" val="4240715074"/>
+        <p14:creationId xmlns:p14="http://schemas.microsoft.com/office/powerpoint/2010/main" val="4122144097"/>
       </p:ext>
     </p:extLst>
   </p:cSld>
@@ -349,7 +349,7 @@
           <p:cNvPr id="2" name="标题 1">
             <a:extLst>
               <a:ext uri="{FF2B5EF4-FFF2-40B4-BE49-F238E27FC236}">
-                <a16:creationId xmlns:a16="http://schemas.microsoft.com/office/drawing/2014/main" id="{24CD09B8-C76C-88A7-491C-3A10AD8734D2}"/>
+                <a16:creationId xmlns:a16="http://schemas.microsoft.com/office/drawing/2014/main" id="{E8FF1540-8A13-DD0B-BA2D-8BCFF8074B0D}"/>
               </a:ext>
             </a:extLst>
           </p:cNvPr>
@@ -377,7 +377,7 @@
           <p:cNvPr id="3" name="竖排文字占位符 2">
             <a:extLst>
               <a:ext uri="{FF2B5EF4-FFF2-40B4-BE49-F238E27FC236}">
-                <a16:creationId xmlns:a16="http://schemas.microsoft.com/office/drawing/2014/main" id="{C656C20A-DBDA-2AA6-5AEB-8A27B5D649CC}"/>
+                <a16:creationId xmlns:a16="http://schemas.microsoft.com/office/drawing/2014/main" id="{3A470A3A-171E-E275-73B7-6D6EE1E05643}"/>
               </a:ext>
             </a:extLst>
           </p:cNvPr>
@@ -434,7 +434,7 @@
           <p:cNvPr id="4" name="日期占位符 3">
             <a:extLst>
               <a:ext uri="{FF2B5EF4-FFF2-40B4-BE49-F238E27FC236}">
-                <a16:creationId xmlns:a16="http://schemas.microsoft.com/office/drawing/2014/main" id="{82BB05C0-DF20-7493-B2CF-1AA36B1A23B4}"/>
+                <a16:creationId xmlns:a16="http://schemas.microsoft.com/office/drawing/2014/main" id="{E31C2772-E2CD-2CDF-CDEE-06223BF136E2}"/>
               </a:ext>
             </a:extLst>
           </p:cNvPr>
@@ -450,7 +450,7 @@
           <a:bodyPr/>
           <a:lstStyle/>
           <a:p>
-            <a:fld id="{21E669C0-B810-43CF-B369-A616ACFD343E}" type="datetimeFigureOut">
+            <a:fld id="{D69AC01F-FA0F-4F37-A2AC-AD95329090D5}" type="datetimeFigureOut">
               <a:rPr lang="zh-CN" altLang="en-US" smtClean="0"/>
               <a:t>2024/3/10</a:t>
             </a:fld>
@@ -463,7 +463,7 @@
           <p:cNvPr id="5" name="页脚占位符 4">
             <a:extLst>
               <a:ext uri="{FF2B5EF4-FFF2-40B4-BE49-F238E27FC236}">
-                <a16:creationId xmlns:a16="http://schemas.microsoft.com/office/drawing/2014/main" id="{A7651F67-DDAC-7F81-BC5A-9B58F1D89A6C}"/>
+                <a16:creationId xmlns:a16="http://schemas.microsoft.com/office/drawing/2014/main" id="{FA574B26-D119-46C2-3CA3-458780B598EF}"/>
               </a:ext>
             </a:extLst>
           </p:cNvPr>
@@ -488,7 +488,7 @@
           <p:cNvPr id="6" name="灯片编号占位符 5">
             <a:extLst>
               <a:ext uri="{FF2B5EF4-FFF2-40B4-BE49-F238E27FC236}">
-                <a16:creationId xmlns:a16="http://schemas.microsoft.com/office/drawing/2014/main" id="{342D5B7A-6127-1744-10CA-900C5CC88029}"/>
+                <a16:creationId xmlns:a16="http://schemas.microsoft.com/office/drawing/2014/main" id="{0B6AC23E-EB87-2C5A-6386-F18F33B1C151}"/>
               </a:ext>
             </a:extLst>
           </p:cNvPr>
@@ -504,7 +504,7 @@
           <a:bodyPr/>
           <a:lstStyle/>
           <a:p>
-            <a:fld id="{FA0C1F10-42C8-412F-8C9C-1A1E11D0B518}" type="slidenum">
+            <a:fld id="{8F7F42EE-693B-4D92-8DD8-D3B22B95D4B6}" type="slidenum">
               <a:rPr lang="zh-CN" altLang="en-US" smtClean="0"/>
               <a:t>‹#›</a:t>
             </a:fld>
@@ -515,7 +515,7 @@
     </p:spTree>
     <p:extLst>
       <p:ext uri="{BB962C8B-B14F-4D97-AF65-F5344CB8AC3E}">
-        <p14:creationId xmlns:p14="http://schemas.microsoft.com/office/powerpoint/2010/main" val="2451272374"/>
+        <p14:creationId xmlns:p14="http://schemas.microsoft.com/office/powerpoint/2010/main" val="569877260"/>
       </p:ext>
     </p:extLst>
   </p:cSld>
@@ -547,7 +547,7 @@
           <p:cNvPr id="2" name="竖排标题 1">
             <a:extLst>
               <a:ext uri="{FF2B5EF4-FFF2-40B4-BE49-F238E27FC236}">
-                <a16:creationId xmlns:a16="http://schemas.microsoft.com/office/drawing/2014/main" id="{0B90751C-2509-B33F-7DE9-403DE73B77D6}"/>
+                <a16:creationId xmlns:a16="http://schemas.microsoft.com/office/drawing/2014/main" id="{F8F54BF4-E6B4-B551-B73F-16B367E4BB42}"/>
               </a:ext>
             </a:extLst>
           </p:cNvPr>
@@ -580,7 +580,7 @@
           <p:cNvPr id="3" name="竖排文字占位符 2">
             <a:extLst>
               <a:ext uri="{FF2B5EF4-FFF2-40B4-BE49-F238E27FC236}">
-                <a16:creationId xmlns:a16="http://schemas.microsoft.com/office/drawing/2014/main" id="{43B3DF93-EC4F-53DE-ECDC-F11B378E8D10}"/>
+                <a16:creationId xmlns:a16="http://schemas.microsoft.com/office/drawing/2014/main" id="{5C527CB3-8F9E-7830-4B06-8F64480919EA}"/>
               </a:ext>
             </a:extLst>
           </p:cNvPr>
@@ -642,7 +642,7 @@
           <p:cNvPr id="4" name="日期占位符 3">
             <a:extLst>
               <a:ext uri="{FF2B5EF4-FFF2-40B4-BE49-F238E27FC236}">
-                <a16:creationId xmlns:a16="http://schemas.microsoft.com/office/drawing/2014/main" id="{B9E49C7C-BFA7-79F2-F204-7D734C68E4E5}"/>
+                <a16:creationId xmlns:a16="http://schemas.microsoft.com/office/drawing/2014/main" id="{99C1B98E-934E-DF1D-36E3-3644A0D3D7BC}"/>
               </a:ext>
             </a:extLst>
           </p:cNvPr>
@@ -658,7 +658,7 @@
           <a:bodyPr/>
           <a:lstStyle/>
           <a:p>
-            <a:fld id="{21E669C0-B810-43CF-B369-A616ACFD343E}" type="datetimeFigureOut">
+            <a:fld id="{D69AC01F-FA0F-4F37-A2AC-AD95329090D5}" type="datetimeFigureOut">
               <a:rPr lang="zh-CN" altLang="en-US" smtClean="0"/>
               <a:t>2024/3/10</a:t>
             </a:fld>
@@ -671,7 +671,7 @@
           <p:cNvPr id="5" name="页脚占位符 4">
             <a:extLst>
               <a:ext uri="{FF2B5EF4-FFF2-40B4-BE49-F238E27FC236}">
-                <a16:creationId xmlns:a16="http://schemas.microsoft.com/office/drawing/2014/main" id="{5955361F-DBFD-01CD-3A95-E045422C63CB}"/>
+                <a16:creationId xmlns:a16="http://schemas.microsoft.com/office/drawing/2014/main" id="{DB84547E-D499-CE88-3F17-4410B25312DE}"/>
               </a:ext>
             </a:extLst>
           </p:cNvPr>
@@ -696,7 +696,7 @@
           <p:cNvPr id="6" name="灯片编号占位符 5">
             <a:extLst>
               <a:ext uri="{FF2B5EF4-FFF2-40B4-BE49-F238E27FC236}">
-                <a16:creationId xmlns:a16="http://schemas.microsoft.com/office/drawing/2014/main" id="{6B50010F-0B2F-1C3C-B530-4695465A8FF8}"/>
+                <a16:creationId xmlns:a16="http://schemas.microsoft.com/office/drawing/2014/main" id="{C7AF3D03-0BEB-88F5-1101-77A2D656D939}"/>
               </a:ext>
             </a:extLst>
           </p:cNvPr>
@@ -712,7 +712,7 @@
           <a:bodyPr/>
           <a:lstStyle/>
           <a:p>
-            <a:fld id="{FA0C1F10-42C8-412F-8C9C-1A1E11D0B518}" type="slidenum">
+            <a:fld id="{8F7F42EE-693B-4D92-8DD8-D3B22B95D4B6}" type="slidenum">
               <a:rPr lang="zh-CN" altLang="en-US" smtClean="0"/>
               <a:t>‹#›</a:t>
             </a:fld>
@@ -723,7 +723,7 @@
     </p:spTree>
     <p:extLst>
       <p:ext uri="{BB962C8B-B14F-4D97-AF65-F5344CB8AC3E}">
-        <p14:creationId xmlns:p14="http://schemas.microsoft.com/office/powerpoint/2010/main" val="2615848739"/>
+        <p14:creationId xmlns:p14="http://schemas.microsoft.com/office/powerpoint/2010/main" val="836049957"/>
       </p:ext>
     </p:extLst>
   </p:cSld>
@@ -755,7 +755,7 @@
           <p:cNvPr id="2" name="标题 1">
             <a:extLst>
               <a:ext uri="{FF2B5EF4-FFF2-40B4-BE49-F238E27FC236}">
-                <a16:creationId xmlns:a16="http://schemas.microsoft.com/office/drawing/2014/main" id="{BCCEE8AA-ED3C-4A00-2F02-9564E728888F}"/>
+                <a16:creationId xmlns:a16="http://schemas.microsoft.com/office/drawing/2014/main" id="{FBD4A5FF-E31C-1909-B96B-FB9F6C5D7156}"/>
               </a:ext>
             </a:extLst>
           </p:cNvPr>
@@ -783,7 +783,7 @@
           <p:cNvPr id="3" name="内容占位符 2">
             <a:extLst>
               <a:ext uri="{FF2B5EF4-FFF2-40B4-BE49-F238E27FC236}">
-                <a16:creationId xmlns:a16="http://schemas.microsoft.com/office/drawing/2014/main" id="{6DD04C08-3091-8012-8890-AA1E456FF9F3}"/>
+                <a16:creationId xmlns:a16="http://schemas.microsoft.com/office/drawing/2014/main" id="{C4A1DC12-E299-CD8E-ED5F-5D2EF74A329C}"/>
               </a:ext>
             </a:extLst>
           </p:cNvPr>
@@ -840,7 +840,7 @@
           <p:cNvPr id="4" name="日期占位符 3">
             <a:extLst>
               <a:ext uri="{FF2B5EF4-FFF2-40B4-BE49-F238E27FC236}">
-                <a16:creationId xmlns:a16="http://schemas.microsoft.com/office/drawing/2014/main" id="{A25FF03F-B60D-253C-E962-7C2BA31B52DF}"/>
+                <a16:creationId xmlns:a16="http://schemas.microsoft.com/office/drawing/2014/main" id="{7C18AA66-9A96-9E9C-30B8-A44E003DE228}"/>
               </a:ext>
             </a:extLst>
           </p:cNvPr>
@@ -856,7 +856,7 @@
           <a:bodyPr/>
           <a:lstStyle/>
           <a:p>
-            <a:fld id="{21E669C0-B810-43CF-B369-A616ACFD343E}" type="datetimeFigureOut">
+            <a:fld id="{D69AC01F-FA0F-4F37-A2AC-AD95329090D5}" type="datetimeFigureOut">
               <a:rPr lang="zh-CN" altLang="en-US" smtClean="0"/>
               <a:t>2024/3/10</a:t>
             </a:fld>
@@ -869,7 +869,7 @@
           <p:cNvPr id="5" name="页脚占位符 4">
             <a:extLst>
               <a:ext uri="{FF2B5EF4-FFF2-40B4-BE49-F238E27FC236}">
-                <a16:creationId xmlns:a16="http://schemas.microsoft.com/office/drawing/2014/main" id="{EC3A73EC-F1EF-49D8-7A19-C7F7BD1B92C5}"/>
+                <a16:creationId xmlns:a16="http://schemas.microsoft.com/office/drawing/2014/main" id="{BD19D45B-3173-8B47-52C0-CD3336E9E765}"/>
               </a:ext>
             </a:extLst>
           </p:cNvPr>
@@ -894,7 +894,7 @@
           <p:cNvPr id="6" name="灯片编号占位符 5">
             <a:extLst>
               <a:ext uri="{FF2B5EF4-FFF2-40B4-BE49-F238E27FC236}">
-                <a16:creationId xmlns:a16="http://schemas.microsoft.com/office/drawing/2014/main" id="{C077491F-849F-CF81-6CAA-4CF164A16E26}"/>
+                <a16:creationId xmlns:a16="http://schemas.microsoft.com/office/drawing/2014/main" id="{36EC82D2-20B5-5C1A-2244-33BA986C4A6E}"/>
               </a:ext>
             </a:extLst>
           </p:cNvPr>
@@ -910,7 +910,7 @@
           <a:bodyPr/>
           <a:lstStyle/>
           <a:p>
-            <a:fld id="{FA0C1F10-42C8-412F-8C9C-1A1E11D0B518}" type="slidenum">
+            <a:fld id="{8F7F42EE-693B-4D92-8DD8-D3B22B95D4B6}" type="slidenum">
               <a:rPr lang="zh-CN" altLang="en-US" smtClean="0"/>
               <a:t>‹#›</a:t>
             </a:fld>
@@ -921,7 +921,7 @@
     </p:spTree>
     <p:extLst>
       <p:ext uri="{BB962C8B-B14F-4D97-AF65-F5344CB8AC3E}">
-        <p14:creationId xmlns:p14="http://schemas.microsoft.com/office/powerpoint/2010/main" val="1285901573"/>
+        <p14:creationId xmlns:p14="http://schemas.microsoft.com/office/powerpoint/2010/main" val="3921060298"/>
       </p:ext>
     </p:extLst>
   </p:cSld>
@@ -953,7 +953,7 @@
           <p:cNvPr id="2" name="标题 1">
             <a:extLst>
               <a:ext uri="{FF2B5EF4-FFF2-40B4-BE49-F238E27FC236}">
-                <a16:creationId xmlns:a16="http://schemas.microsoft.com/office/drawing/2014/main" id="{2040464E-67DD-006F-94FB-EA0EEAB306C6}"/>
+                <a16:creationId xmlns:a16="http://schemas.microsoft.com/office/drawing/2014/main" id="{46FB768D-A81D-66D5-5414-A713A2063581}"/>
               </a:ext>
             </a:extLst>
           </p:cNvPr>
@@ -990,7 +990,7 @@
           <p:cNvPr id="3" name="文本占位符 2">
             <a:extLst>
               <a:ext uri="{FF2B5EF4-FFF2-40B4-BE49-F238E27FC236}">
-                <a16:creationId xmlns:a16="http://schemas.microsoft.com/office/drawing/2014/main" id="{4B925DE2-BEB7-58B9-4688-02D1AC566327}"/>
+                <a16:creationId xmlns:a16="http://schemas.microsoft.com/office/drawing/2014/main" id="{54C8BEC2-7C77-EB17-2926-EE3E943604D8}"/>
               </a:ext>
             </a:extLst>
           </p:cNvPr>
@@ -1115,7 +1115,7 @@
           <p:cNvPr id="4" name="日期占位符 3">
             <a:extLst>
               <a:ext uri="{FF2B5EF4-FFF2-40B4-BE49-F238E27FC236}">
-                <a16:creationId xmlns:a16="http://schemas.microsoft.com/office/drawing/2014/main" id="{B04F3036-996D-BF44-2450-4EAD9119F624}"/>
+                <a16:creationId xmlns:a16="http://schemas.microsoft.com/office/drawing/2014/main" id="{6E740938-848F-3E3F-6EA4-927C23935E5C}"/>
               </a:ext>
             </a:extLst>
           </p:cNvPr>
@@ -1131,7 +1131,7 @@
           <a:bodyPr/>
           <a:lstStyle/>
           <a:p>
-            <a:fld id="{21E669C0-B810-43CF-B369-A616ACFD343E}" type="datetimeFigureOut">
+            <a:fld id="{D69AC01F-FA0F-4F37-A2AC-AD95329090D5}" type="datetimeFigureOut">
               <a:rPr lang="zh-CN" altLang="en-US" smtClean="0"/>
               <a:t>2024/3/10</a:t>
             </a:fld>
@@ -1144,7 +1144,7 @@
           <p:cNvPr id="5" name="页脚占位符 4">
             <a:extLst>
               <a:ext uri="{FF2B5EF4-FFF2-40B4-BE49-F238E27FC236}">
-                <a16:creationId xmlns:a16="http://schemas.microsoft.com/office/drawing/2014/main" id="{A2A34D55-6E8E-275E-ABFC-00994259E02A}"/>
+                <a16:creationId xmlns:a16="http://schemas.microsoft.com/office/drawing/2014/main" id="{DA1AD290-9D08-B915-BFBD-FBFD5DACD747}"/>
               </a:ext>
             </a:extLst>
           </p:cNvPr>
@@ -1169,7 +1169,7 @@
           <p:cNvPr id="6" name="灯片编号占位符 5">
             <a:extLst>
               <a:ext uri="{FF2B5EF4-FFF2-40B4-BE49-F238E27FC236}">
-                <a16:creationId xmlns:a16="http://schemas.microsoft.com/office/drawing/2014/main" id="{F8A930B7-C373-29EC-42BF-B00FCBE4B581}"/>
+                <a16:creationId xmlns:a16="http://schemas.microsoft.com/office/drawing/2014/main" id="{4CC0B2B9-94E0-DF0F-6D01-8000D313D455}"/>
               </a:ext>
             </a:extLst>
           </p:cNvPr>
@@ -1185,7 +1185,7 @@
           <a:bodyPr/>
           <a:lstStyle/>
           <a:p>
-            <a:fld id="{FA0C1F10-42C8-412F-8C9C-1A1E11D0B518}" type="slidenum">
+            <a:fld id="{8F7F42EE-693B-4D92-8DD8-D3B22B95D4B6}" type="slidenum">
               <a:rPr lang="zh-CN" altLang="en-US" smtClean="0"/>
               <a:t>‹#›</a:t>
             </a:fld>
@@ -1196,7 +1196,7 @@
     </p:spTree>
     <p:extLst>
       <p:ext uri="{BB962C8B-B14F-4D97-AF65-F5344CB8AC3E}">
-        <p14:creationId xmlns:p14="http://schemas.microsoft.com/office/powerpoint/2010/main" val="1507506699"/>
+        <p14:creationId xmlns:p14="http://schemas.microsoft.com/office/powerpoint/2010/main" val="557383261"/>
       </p:ext>
     </p:extLst>
   </p:cSld>
@@ -1228,7 +1228,7 @@
           <p:cNvPr id="2" name="标题 1">
             <a:extLst>
               <a:ext uri="{FF2B5EF4-FFF2-40B4-BE49-F238E27FC236}">
-                <a16:creationId xmlns:a16="http://schemas.microsoft.com/office/drawing/2014/main" id="{60688FF0-0187-0D3A-70DF-7175ED570A7A}"/>
+                <a16:creationId xmlns:a16="http://schemas.microsoft.com/office/drawing/2014/main" id="{70EAC9AE-28E1-986A-1884-B7F75010E4FA}"/>
               </a:ext>
             </a:extLst>
           </p:cNvPr>
@@ -1256,7 +1256,7 @@
           <p:cNvPr id="3" name="内容占位符 2">
             <a:extLst>
               <a:ext uri="{FF2B5EF4-FFF2-40B4-BE49-F238E27FC236}">
-                <a16:creationId xmlns:a16="http://schemas.microsoft.com/office/drawing/2014/main" id="{D79359F7-62B3-47C2-09C8-6E6C755BF0B5}"/>
+                <a16:creationId xmlns:a16="http://schemas.microsoft.com/office/drawing/2014/main" id="{68196E5B-BC5F-1336-4072-BCD77802385A}"/>
               </a:ext>
             </a:extLst>
           </p:cNvPr>
@@ -1318,7 +1318,7 @@
           <p:cNvPr id="4" name="内容占位符 3">
             <a:extLst>
               <a:ext uri="{FF2B5EF4-FFF2-40B4-BE49-F238E27FC236}">
-                <a16:creationId xmlns:a16="http://schemas.microsoft.com/office/drawing/2014/main" id="{1A19834F-965B-1A29-E894-1124316E0354}"/>
+                <a16:creationId xmlns:a16="http://schemas.microsoft.com/office/drawing/2014/main" id="{6C3ACB98-06D1-DA16-4D3E-5271F7BC9C9E}"/>
               </a:ext>
             </a:extLst>
           </p:cNvPr>
@@ -1380,7 +1380,7 @@
           <p:cNvPr id="5" name="日期占位符 4">
             <a:extLst>
               <a:ext uri="{FF2B5EF4-FFF2-40B4-BE49-F238E27FC236}">
-                <a16:creationId xmlns:a16="http://schemas.microsoft.com/office/drawing/2014/main" id="{142CB970-5F4E-B154-90FF-5B5EC137039D}"/>
+                <a16:creationId xmlns:a16="http://schemas.microsoft.com/office/drawing/2014/main" id="{0968C941-9328-0EDE-AFA9-B161BAA19B48}"/>
               </a:ext>
             </a:extLst>
           </p:cNvPr>
@@ -1396,7 +1396,7 @@
           <a:bodyPr/>
           <a:lstStyle/>
           <a:p>
-            <a:fld id="{21E669C0-B810-43CF-B369-A616ACFD343E}" type="datetimeFigureOut">
+            <a:fld id="{D69AC01F-FA0F-4F37-A2AC-AD95329090D5}" type="datetimeFigureOut">
               <a:rPr lang="zh-CN" altLang="en-US" smtClean="0"/>
               <a:t>2024/3/10</a:t>
             </a:fld>
@@ -1409,7 +1409,7 @@
           <p:cNvPr id="6" name="页脚占位符 5">
             <a:extLst>
               <a:ext uri="{FF2B5EF4-FFF2-40B4-BE49-F238E27FC236}">
-                <a16:creationId xmlns:a16="http://schemas.microsoft.com/office/drawing/2014/main" id="{EECBE88B-F726-A43B-0293-FDB03C0DEA83}"/>
+                <a16:creationId xmlns:a16="http://schemas.microsoft.com/office/drawing/2014/main" id="{6E7CA2D2-6513-654A-D262-078768A84140}"/>
               </a:ext>
             </a:extLst>
           </p:cNvPr>
@@ -1434,7 +1434,7 @@
           <p:cNvPr id="7" name="灯片编号占位符 6">
             <a:extLst>
               <a:ext uri="{FF2B5EF4-FFF2-40B4-BE49-F238E27FC236}">
-                <a16:creationId xmlns:a16="http://schemas.microsoft.com/office/drawing/2014/main" id="{10C9F2CC-1C7B-1503-CF41-02687BD07222}"/>
+                <a16:creationId xmlns:a16="http://schemas.microsoft.com/office/drawing/2014/main" id="{B5C15B65-CD3B-2C4A-2CAC-52EB9485954E}"/>
               </a:ext>
             </a:extLst>
           </p:cNvPr>
@@ -1450,7 +1450,7 @@
           <a:bodyPr/>
           <a:lstStyle/>
           <a:p>
-            <a:fld id="{FA0C1F10-42C8-412F-8C9C-1A1E11D0B518}" type="slidenum">
+            <a:fld id="{8F7F42EE-693B-4D92-8DD8-D3B22B95D4B6}" type="slidenum">
               <a:rPr lang="zh-CN" altLang="en-US" smtClean="0"/>
               <a:t>‹#›</a:t>
             </a:fld>
@@ -1461,7 +1461,7 @@
     </p:spTree>
     <p:extLst>
       <p:ext uri="{BB962C8B-B14F-4D97-AF65-F5344CB8AC3E}">
-        <p14:creationId xmlns:p14="http://schemas.microsoft.com/office/powerpoint/2010/main" val="906658091"/>
+        <p14:creationId xmlns:p14="http://schemas.microsoft.com/office/powerpoint/2010/main" val="2888959618"/>
       </p:ext>
     </p:extLst>
   </p:cSld>
@@ -1493,7 +1493,7 @@
           <p:cNvPr id="2" name="标题 1">
             <a:extLst>
               <a:ext uri="{FF2B5EF4-FFF2-40B4-BE49-F238E27FC236}">
-                <a16:creationId xmlns:a16="http://schemas.microsoft.com/office/drawing/2014/main" id="{43E6BD33-338A-347D-5C9C-7D5BBCB89A43}"/>
+                <a16:creationId xmlns:a16="http://schemas.microsoft.com/office/drawing/2014/main" id="{59DFCD59-DF52-7630-26B0-DF6184082238}"/>
               </a:ext>
             </a:extLst>
           </p:cNvPr>
@@ -1526,7 +1526,7 @@
           <p:cNvPr id="3" name="文本占位符 2">
             <a:extLst>
               <a:ext uri="{FF2B5EF4-FFF2-40B4-BE49-F238E27FC236}">
-                <a16:creationId xmlns:a16="http://schemas.microsoft.com/office/drawing/2014/main" id="{A6D6C020-B937-79EB-3E6D-8C4104861698}"/>
+                <a16:creationId xmlns:a16="http://schemas.microsoft.com/office/drawing/2014/main" id="{0E04CAD7-49C2-2CEF-13F1-2B4C01FCAA91}"/>
               </a:ext>
             </a:extLst>
           </p:cNvPr>
@@ -1597,7 +1597,7 @@
           <p:cNvPr id="4" name="内容占位符 3">
             <a:extLst>
               <a:ext uri="{FF2B5EF4-FFF2-40B4-BE49-F238E27FC236}">
-                <a16:creationId xmlns:a16="http://schemas.microsoft.com/office/drawing/2014/main" id="{A28F1E4E-59A6-16FC-E1A2-29EBD9420854}"/>
+                <a16:creationId xmlns:a16="http://schemas.microsoft.com/office/drawing/2014/main" id="{E376DCA3-1313-708B-C363-05797D2CB809}"/>
               </a:ext>
             </a:extLst>
           </p:cNvPr>
@@ -1659,7 +1659,7 @@
           <p:cNvPr id="5" name="文本占位符 4">
             <a:extLst>
               <a:ext uri="{FF2B5EF4-FFF2-40B4-BE49-F238E27FC236}">
-                <a16:creationId xmlns:a16="http://schemas.microsoft.com/office/drawing/2014/main" id="{218B4BA6-4169-8A4F-DA7C-10EBAF0194CD}"/>
+                <a16:creationId xmlns:a16="http://schemas.microsoft.com/office/drawing/2014/main" id="{4DD53F72-D841-53A6-1FEF-0DCBE7347B44}"/>
               </a:ext>
             </a:extLst>
           </p:cNvPr>
@@ -1730,7 +1730,7 @@
           <p:cNvPr id="6" name="内容占位符 5">
             <a:extLst>
               <a:ext uri="{FF2B5EF4-FFF2-40B4-BE49-F238E27FC236}">
-                <a16:creationId xmlns:a16="http://schemas.microsoft.com/office/drawing/2014/main" id="{E4152400-6F00-4282-B2D7-9B41B3895B1E}"/>
+                <a16:creationId xmlns:a16="http://schemas.microsoft.com/office/drawing/2014/main" id="{4818D8CF-36A5-5D8A-8F78-F0647FA67034}"/>
               </a:ext>
             </a:extLst>
           </p:cNvPr>
@@ -1792,7 +1792,7 @@
           <p:cNvPr id="7" name="日期占位符 6">
             <a:extLst>
               <a:ext uri="{FF2B5EF4-FFF2-40B4-BE49-F238E27FC236}">
-                <a16:creationId xmlns:a16="http://schemas.microsoft.com/office/drawing/2014/main" id="{DBDA7F5C-0790-5E61-BCC4-98627716369E}"/>
+                <a16:creationId xmlns:a16="http://schemas.microsoft.com/office/drawing/2014/main" id="{79C18639-5CA2-0986-71C8-AA351D478D51}"/>
               </a:ext>
             </a:extLst>
           </p:cNvPr>
@@ -1808,7 +1808,7 @@
           <a:bodyPr/>
           <a:lstStyle/>
           <a:p>
-            <a:fld id="{21E669C0-B810-43CF-B369-A616ACFD343E}" type="datetimeFigureOut">
+            <a:fld id="{D69AC01F-FA0F-4F37-A2AC-AD95329090D5}" type="datetimeFigureOut">
               <a:rPr lang="zh-CN" altLang="en-US" smtClean="0"/>
               <a:t>2024/3/10</a:t>
             </a:fld>
@@ -1821,7 +1821,7 @@
           <p:cNvPr id="8" name="页脚占位符 7">
             <a:extLst>
               <a:ext uri="{FF2B5EF4-FFF2-40B4-BE49-F238E27FC236}">
-                <a16:creationId xmlns:a16="http://schemas.microsoft.com/office/drawing/2014/main" id="{AB56B8BD-C068-B793-298F-ACF20FAED74D}"/>
+                <a16:creationId xmlns:a16="http://schemas.microsoft.com/office/drawing/2014/main" id="{992F3093-B064-94B5-225F-EAFAE32859DA}"/>
               </a:ext>
             </a:extLst>
           </p:cNvPr>
@@ -1846,7 +1846,7 @@
           <p:cNvPr id="9" name="灯片编号占位符 8">
             <a:extLst>
               <a:ext uri="{FF2B5EF4-FFF2-40B4-BE49-F238E27FC236}">
-                <a16:creationId xmlns:a16="http://schemas.microsoft.com/office/drawing/2014/main" id="{03CFD3FE-0F83-6ABD-4BF2-96D5B1807373}"/>
+                <a16:creationId xmlns:a16="http://schemas.microsoft.com/office/drawing/2014/main" id="{67C56644-0B2A-0F31-F2B2-A5E805869C73}"/>
               </a:ext>
             </a:extLst>
           </p:cNvPr>
@@ -1862,7 +1862,7 @@
           <a:bodyPr/>
           <a:lstStyle/>
           <a:p>
-            <a:fld id="{FA0C1F10-42C8-412F-8C9C-1A1E11D0B518}" type="slidenum">
+            <a:fld id="{8F7F42EE-693B-4D92-8DD8-D3B22B95D4B6}" type="slidenum">
               <a:rPr lang="zh-CN" altLang="en-US" smtClean="0"/>
               <a:t>‹#›</a:t>
             </a:fld>
@@ -1873,7 +1873,7 @@
     </p:spTree>
     <p:extLst>
       <p:ext uri="{BB962C8B-B14F-4D97-AF65-F5344CB8AC3E}">
-        <p14:creationId xmlns:p14="http://schemas.microsoft.com/office/powerpoint/2010/main" val="3790593058"/>
+        <p14:creationId xmlns:p14="http://schemas.microsoft.com/office/powerpoint/2010/main" val="1155920349"/>
       </p:ext>
     </p:extLst>
   </p:cSld>
@@ -1905,7 +1905,7 @@
           <p:cNvPr id="2" name="标题 1">
             <a:extLst>
               <a:ext uri="{FF2B5EF4-FFF2-40B4-BE49-F238E27FC236}">
-                <a16:creationId xmlns:a16="http://schemas.microsoft.com/office/drawing/2014/main" id="{49A8D8DB-4CFE-17F9-FA10-966256196145}"/>
+                <a16:creationId xmlns:a16="http://schemas.microsoft.com/office/drawing/2014/main" id="{74A81DA4-DC2A-6384-0A58-9A5302AAAA0E}"/>
               </a:ext>
             </a:extLst>
           </p:cNvPr>
@@ -1933,7 +1933,7 @@
           <p:cNvPr id="3" name="日期占位符 2">
             <a:extLst>
               <a:ext uri="{FF2B5EF4-FFF2-40B4-BE49-F238E27FC236}">
-                <a16:creationId xmlns:a16="http://schemas.microsoft.com/office/drawing/2014/main" id="{9ED28183-49D9-AFC7-2DFE-BC23B84C3F2C}"/>
+                <a16:creationId xmlns:a16="http://schemas.microsoft.com/office/drawing/2014/main" id="{118206E8-65F8-2166-4D20-C7AB95C79493}"/>
               </a:ext>
             </a:extLst>
           </p:cNvPr>
@@ -1949,7 +1949,7 @@
           <a:bodyPr/>
           <a:lstStyle/>
           <a:p>
-            <a:fld id="{21E669C0-B810-43CF-B369-A616ACFD343E}" type="datetimeFigureOut">
+            <a:fld id="{D69AC01F-FA0F-4F37-A2AC-AD95329090D5}" type="datetimeFigureOut">
               <a:rPr lang="zh-CN" altLang="en-US" smtClean="0"/>
               <a:t>2024/3/10</a:t>
             </a:fld>
@@ -1962,7 +1962,7 @@
           <p:cNvPr id="4" name="页脚占位符 3">
             <a:extLst>
               <a:ext uri="{FF2B5EF4-FFF2-40B4-BE49-F238E27FC236}">
-                <a16:creationId xmlns:a16="http://schemas.microsoft.com/office/drawing/2014/main" id="{590C0ADD-6D0D-730A-8D82-FAE3F8F8B815}"/>
+                <a16:creationId xmlns:a16="http://schemas.microsoft.com/office/drawing/2014/main" id="{430E5F1F-027B-ADE9-3885-038C2F48D852}"/>
               </a:ext>
             </a:extLst>
           </p:cNvPr>
@@ -1987,7 +1987,7 @@
           <p:cNvPr id="5" name="灯片编号占位符 4">
             <a:extLst>
               <a:ext uri="{FF2B5EF4-FFF2-40B4-BE49-F238E27FC236}">
-                <a16:creationId xmlns:a16="http://schemas.microsoft.com/office/drawing/2014/main" id="{31544441-99DA-F258-E235-0C60E7ED6E5D}"/>
+                <a16:creationId xmlns:a16="http://schemas.microsoft.com/office/drawing/2014/main" id="{0EFF4067-59C0-356E-B40B-0421E9628BE8}"/>
               </a:ext>
             </a:extLst>
           </p:cNvPr>
@@ -2003,7 +2003,7 @@
           <a:bodyPr/>
           <a:lstStyle/>
           <a:p>
-            <a:fld id="{FA0C1F10-42C8-412F-8C9C-1A1E11D0B518}" type="slidenum">
+            <a:fld id="{8F7F42EE-693B-4D92-8DD8-D3B22B95D4B6}" type="slidenum">
               <a:rPr lang="zh-CN" altLang="en-US" smtClean="0"/>
               <a:t>‹#›</a:t>
             </a:fld>
@@ -2014,7 +2014,7 @@
     </p:spTree>
     <p:extLst>
       <p:ext uri="{BB962C8B-B14F-4D97-AF65-F5344CB8AC3E}">
-        <p14:creationId xmlns:p14="http://schemas.microsoft.com/office/powerpoint/2010/main" val="1438835338"/>
+        <p14:creationId xmlns:p14="http://schemas.microsoft.com/office/powerpoint/2010/main" val="2571000803"/>
       </p:ext>
     </p:extLst>
   </p:cSld>
@@ -2046,7 +2046,7 @@
           <p:cNvPr id="2" name="日期占位符 1">
             <a:extLst>
               <a:ext uri="{FF2B5EF4-FFF2-40B4-BE49-F238E27FC236}">
-                <a16:creationId xmlns:a16="http://schemas.microsoft.com/office/drawing/2014/main" id="{575B0A7A-ED28-896C-DACB-BD5D38551A2F}"/>
+                <a16:creationId xmlns:a16="http://schemas.microsoft.com/office/drawing/2014/main" id="{12D7EECA-E663-75D7-95C1-FC5F18A31027}"/>
               </a:ext>
             </a:extLst>
           </p:cNvPr>
@@ -2062,7 +2062,7 @@
           <a:bodyPr/>
           <a:lstStyle/>
           <a:p>
-            <a:fld id="{21E669C0-B810-43CF-B369-A616ACFD343E}" type="datetimeFigureOut">
+            <a:fld id="{D69AC01F-FA0F-4F37-A2AC-AD95329090D5}" type="datetimeFigureOut">
               <a:rPr lang="zh-CN" altLang="en-US" smtClean="0"/>
               <a:t>2024/3/10</a:t>
             </a:fld>
@@ -2075,7 +2075,7 @@
           <p:cNvPr id="3" name="页脚占位符 2">
             <a:extLst>
               <a:ext uri="{FF2B5EF4-FFF2-40B4-BE49-F238E27FC236}">
-                <a16:creationId xmlns:a16="http://schemas.microsoft.com/office/drawing/2014/main" id="{7899B2B1-557D-EC45-7419-ACEEF82CBF9E}"/>
+                <a16:creationId xmlns:a16="http://schemas.microsoft.com/office/drawing/2014/main" id="{FCD94197-BA9F-818C-B0AE-EAF26E8FEC71}"/>
               </a:ext>
             </a:extLst>
           </p:cNvPr>
@@ -2100,7 +2100,7 @@
           <p:cNvPr id="4" name="灯片编号占位符 3">
             <a:extLst>
               <a:ext uri="{FF2B5EF4-FFF2-40B4-BE49-F238E27FC236}">
-                <a16:creationId xmlns:a16="http://schemas.microsoft.com/office/drawing/2014/main" id="{5677F573-2D6A-0567-37DF-97CE456FAC7C}"/>
+                <a16:creationId xmlns:a16="http://schemas.microsoft.com/office/drawing/2014/main" id="{FCD3BE6B-7B86-2D4A-0D4D-626F5D99E4B8}"/>
               </a:ext>
             </a:extLst>
           </p:cNvPr>
@@ -2116,7 +2116,7 @@
           <a:bodyPr/>
           <a:lstStyle/>
           <a:p>
-            <a:fld id="{FA0C1F10-42C8-412F-8C9C-1A1E11D0B518}" type="slidenum">
+            <a:fld id="{8F7F42EE-693B-4D92-8DD8-D3B22B95D4B6}" type="slidenum">
               <a:rPr lang="zh-CN" altLang="en-US" smtClean="0"/>
               <a:t>‹#›</a:t>
             </a:fld>
@@ -2127,7 +2127,7 @@
     </p:spTree>
     <p:extLst>
       <p:ext uri="{BB962C8B-B14F-4D97-AF65-F5344CB8AC3E}">
-        <p14:creationId xmlns:p14="http://schemas.microsoft.com/office/powerpoint/2010/main" val="414174112"/>
+        <p14:creationId xmlns:p14="http://schemas.microsoft.com/office/powerpoint/2010/main" val="1036599619"/>
       </p:ext>
     </p:extLst>
   </p:cSld>
@@ -2159,7 +2159,7 @@
           <p:cNvPr id="2" name="标题 1">
             <a:extLst>
               <a:ext uri="{FF2B5EF4-FFF2-40B4-BE49-F238E27FC236}">
-                <a16:creationId xmlns:a16="http://schemas.microsoft.com/office/drawing/2014/main" id="{117D1EB8-D469-E266-AFEA-61793DDE0CC5}"/>
+                <a16:creationId xmlns:a16="http://schemas.microsoft.com/office/drawing/2014/main" id="{6350766E-A850-C25C-C984-EAB6ED099C41}"/>
               </a:ext>
             </a:extLst>
           </p:cNvPr>
@@ -2196,7 +2196,7 @@
           <p:cNvPr id="3" name="内容占位符 2">
             <a:extLst>
               <a:ext uri="{FF2B5EF4-FFF2-40B4-BE49-F238E27FC236}">
-                <a16:creationId xmlns:a16="http://schemas.microsoft.com/office/drawing/2014/main" id="{6E2F49D9-0F79-6660-6718-A0AB43CF1F15}"/>
+                <a16:creationId xmlns:a16="http://schemas.microsoft.com/office/drawing/2014/main" id="{F7E5581D-6CA8-5DAD-ABB8-66FE2819171D}"/>
               </a:ext>
             </a:extLst>
           </p:cNvPr>
@@ -2286,7 +2286,7 @@
           <p:cNvPr id="4" name="文本占位符 3">
             <a:extLst>
               <a:ext uri="{FF2B5EF4-FFF2-40B4-BE49-F238E27FC236}">
-                <a16:creationId xmlns:a16="http://schemas.microsoft.com/office/drawing/2014/main" id="{84A41AD3-33EE-5EC9-5DCB-35FE76EAC025}"/>
+                <a16:creationId xmlns:a16="http://schemas.microsoft.com/office/drawing/2014/main" id="{D3DA0AAE-8769-E5E6-0C42-EE0876ECF7D7}"/>
               </a:ext>
             </a:extLst>
           </p:cNvPr>
@@ -2357,7 +2357,7 @@
           <p:cNvPr id="5" name="日期占位符 4">
             <a:extLst>
               <a:ext uri="{FF2B5EF4-FFF2-40B4-BE49-F238E27FC236}">
-                <a16:creationId xmlns:a16="http://schemas.microsoft.com/office/drawing/2014/main" id="{374682DC-1570-5E8C-129D-E1C53AF2F8E4}"/>
+                <a16:creationId xmlns:a16="http://schemas.microsoft.com/office/drawing/2014/main" id="{2FF7B3A2-801F-86F2-C536-5F9C76288B21}"/>
               </a:ext>
             </a:extLst>
           </p:cNvPr>
@@ -2373,7 +2373,7 @@
           <a:bodyPr/>
           <a:lstStyle/>
           <a:p>
-            <a:fld id="{21E669C0-B810-43CF-B369-A616ACFD343E}" type="datetimeFigureOut">
+            <a:fld id="{D69AC01F-FA0F-4F37-A2AC-AD95329090D5}" type="datetimeFigureOut">
               <a:rPr lang="zh-CN" altLang="en-US" smtClean="0"/>
               <a:t>2024/3/10</a:t>
             </a:fld>
@@ -2386,7 +2386,7 @@
           <p:cNvPr id="6" name="页脚占位符 5">
             <a:extLst>
               <a:ext uri="{FF2B5EF4-FFF2-40B4-BE49-F238E27FC236}">
-                <a16:creationId xmlns:a16="http://schemas.microsoft.com/office/drawing/2014/main" id="{9D3C175B-46F7-5F96-E706-E233A514EB86}"/>
+                <a16:creationId xmlns:a16="http://schemas.microsoft.com/office/drawing/2014/main" id="{B7DDA752-C65C-51BF-3B1C-62F583109929}"/>
               </a:ext>
             </a:extLst>
           </p:cNvPr>
@@ -2411,7 +2411,7 @@
           <p:cNvPr id="7" name="灯片编号占位符 6">
             <a:extLst>
               <a:ext uri="{FF2B5EF4-FFF2-40B4-BE49-F238E27FC236}">
-                <a16:creationId xmlns:a16="http://schemas.microsoft.com/office/drawing/2014/main" id="{1C7C74E9-7D54-D971-3951-E0484425DA8B}"/>
+                <a16:creationId xmlns:a16="http://schemas.microsoft.com/office/drawing/2014/main" id="{360909CA-0015-27AF-98FA-928D0EDBB90A}"/>
               </a:ext>
             </a:extLst>
           </p:cNvPr>
@@ -2427,7 +2427,7 @@
           <a:bodyPr/>
           <a:lstStyle/>
           <a:p>
-            <a:fld id="{FA0C1F10-42C8-412F-8C9C-1A1E11D0B518}" type="slidenum">
+            <a:fld id="{8F7F42EE-693B-4D92-8DD8-D3B22B95D4B6}" type="slidenum">
               <a:rPr lang="zh-CN" altLang="en-US" smtClean="0"/>
               <a:t>‹#›</a:t>
             </a:fld>
@@ -2438,7 +2438,7 @@
     </p:spTree>
     <p:extLst>
       <p:ext uri="{BB962C8B-B14F-4D97-AF65-F5344CB8AC3E}">
-        <p14:creationId xmlns:p14="http://schemas.microsoft.com/office/powerpoint/2010/main" val="1373676632"/>
+        <p14:creationId xmlns:p14="http://schemas.microsoft.com/office/powerpoint/2010/main" val="2249650392"/>
       </p:ext>
     </p:extLst>
   </p:cSld>
@@ -2470,7 +2470,7 @@
           <p:cNvPr id="2" name="标题 1">
             <a:extLst>
               <a:ext uri="{FF2B5EF4-FFF2-40B4-BE49-F238E27FC236}">
-                <a16:creationId xmlns:a16="http://schemas.microsoft.com/office/drawing/2014/main" id="{21629BD6-4D4F-97B9-26FB-901B111FE4E5}"/>
+                <a16:creationId xmlns:a16="http://schemas.microsoft.com/office/drawing/2014/main" id="{071378FD-B7ED-CE43-A609-6A681F585066}"/>
               </a:ext>
             </a:extLst>
           </p:cNvPr>
@@ -2507,7 +2507,7 @@
           <p:cNvPr id="3" name="图片占位符 2">
             <a:extLst>
               <a:ext uri="{FF2B5EF4-FFF2-40B4-BE49-F238E27FC236}">
-                <a16:creationId xmlns:a16="http://schemas.microsoft.com/office/drawing/2014/main" id="{5E1C7615-CBF4-05B1-6DDC-F700F73751ED}"/>
+                <a16:creationId xmlns:a16="http://schemas.microsoft.com/office/drawing/2014/main" id="{8706F879-A7B4-2F4E-5730-E4E90299466C}"/>
               </a:ext>
             </a:extLst>
           </p:cNvPr>
@@ -2574,7 +2574,7 @@
           <p:cNvPr id="4" name="文本占位符 3">
             <a:extLst>
               <a:ext uri="{FF2B5EF4-FFF2-40B4-BE49-F238E27FC236}">
-                <a16:creationId xmlns:a16="http://schemas.microsoft.com/office/drawing/2014/main" id="{90DD28C2-0388-E72E-7B3F-734F48321A1C}"/>
+                <a16:creationId xmlns:a16="http://schemas.microsoft.com/office/drawing/2014/main" id="{B0D8D6DB-8A8E-2DF5-0A15-2921B1B767F6}"/>
               </a:ext>
             </a:extLst>
           </p:cNvPr>
@@ -2645,7 +2645,7 @@
           <p:cNvPr id="5" name="日期占位符 4">
             <a:extLst>
               <a:ext uri="{FF2B5EF4-FFF2-40B4-BE49-F238E27FC236}">
-                <a16:creationId xmlns:a16="http://schemas.microsoft.com/office/drawing/2014/main" id="{E091983E-482C-55BE-EDB7-2CF080F71A82}"/>
+                <a16:creationId xmlns:a16="http://schemas.microsoft.com/office/drawing/2014/main" id="{17C0A028-5E18-EC35-E32C-AA1BE566B983}"/>
               </a:ext>
             </a:extLst>
           </p:cNvPr>
@@ -2661,7 +2661,7 @@
           <a:bodyPr/>
           <a:lstStyle/>
           <a:p>
-            <a:fld id="{21E669C0-B810-43CF-B369-A616ACFD343E}" type="datetimeFigureOut">
+            <a:fld id="{D69AC01F-FA0F-4F37-A2AC-AD95329090D5}" type="datetimeFigureOut">
               <a:rPr lang="zh-CN" altLang="en-US" smtClean="0"/>
               <a:t>2024/3/10</a:t>
             </a:fld>
@@ -2674,7 +2674,7 @@
           <p:cNvPr id="6" name="页脚占位符 5">
             <a:extLst>
               <a:ext uri="{FF2B5EF4-FFF2-40B4-BE49-F238E27FC236}">
-                <a16:creationId xmlns:a16="http://schemas.microsoft.com/office/drawing/2014/main" id="{E8682C56-F635-1416-DDA5-8336CFE37B7B}"/>
+                <a16:creationId xmlns:a16="http://schemas.microsoft.com/office/drawing/2014/main" id="{2029E772-B00C-18CE-8687-6095A25BC5A5}"/>
               </a:ext>
             </a:extLst>
           </p:cNvPr>
@@ -2699,7 +2699,7 @@
           <p:cNvPr id="7" name="灯片编号占位符 6">
             <a:extLst>
               <a:ext uri="{FF2B5EF4-FFF2-40B4-BE49-F238E27FC236}">
-                <a16:creationId xmlns:a16="http://schemas.microsoft.com/office/drawing/2014/main" id="{E2EA92CD-27A1-8F64-FB3B-A574B36B3742}"/>
+                <a16:creationId xmlns:a16="http://schemas.microsoft.com/office/drawing/2014/main" id="{CFDDAED0-C5EB-D746-5F10-38CF079423A3}"/>
               </a:ext>
             </a:extLst>
           </p:cNvPr>
@@ -2715,7 +2715,7 @@
           <a:bodyPr/>
           <a:lstStyle/>
           <a:p>
-            <a:fld id="{FA0C1F10-42C8-412F-8C9C-1A1E11D0B518}" type="slidenum">
+            <a:fld id="{8F7F42EE-693B-4D92-8DD8-D3B22B95D4B6}" type="slidenum">
               <a:rPr lang="zh-CN" altLang="en-US" smtClean="0"/>
               <a:t>‹#›</a:t>
             </a:fld>
@@ -2726,7 +2726,7 @@
     </p:spTree>
     <p:extLst>
       <p:ext uri="{BB962C8B-B14F-4D97-AF65-F5344CB8AC3E}">
-        <p14:creationId xmlns:p14="http://schemas.microsoft.com/office/powerpoint/2010/main" val="3960690951"/>
+        <p14:creationId xmlns:p14="http://schemas.microsoft.com/office/powerpoint/2010/main" val="3976210824"/>
       </p:ext>
     </p:extLst>
   </p:cSld>
@@ -2763,7 +2763,7 @@
           <p:cNvPr id="2" name="标题占位符 1">
             <a:extLst>
               <a:ext uri="{FF2B5EF4-FFF2-40B4-BE49-F238E27FC236}">
-                <a16:creationId xmlns:a16="http://schemas.microsoft.com/office/drawing/2014/main" id="{7F064754-2C67-9339-84B6-D6F8ED0DA791}"/>
+                <a16:creationId xmlns:a16="http://schemas.microsoft.com/office/drawing/2014/main" id="{FB03C714-2370-7DAE-C157-8FC9891A1693}"/>
               </a:ext>
             </a:extLst>
           </p:cNvPr>
@@ -2801,7 +2801,7 @@
           <p:cNvPr id="3" name="文本占位符 2">
             <a:extLst>
               <a:ext uri="{FF2B5EF4-FFF2-40B4-BE49-F238E27FC236}">
-                <a16:creationId xmlns:a16="http://schemas.microsoft.com/office/drawing/2014/main" id="{A39F4984-931A-EB05-5540-D3607706542A}"/>
+                <a16:creationId xmlns:a16="http://schemas.microsoft.com/office/drawing/2014/main" id="{228A4207-9DFE-CF9E-0B5A-D9A5659640F5}"/>
               </a:ext>
             </a:extLst>
           </p:cNvPr>
@@ -2868,7 +2868,7 @@
           <p:cNvPr id="4" name="日期占位符 3">
             <a:extLst>
               <a:ext uri="{FF2B5EF4-FFF2-40B4-BE49-F238E27FC236}">
-                <a16:creationId xmlns:a16="http://schemas.microsoft.com/office/drawing/2014/main" id="{85F1991F-F8EB-61CD-95FB-0843E18EE7BD}"/>
+                <a16:creationId xmlns:a16="http://schemas.microsoft.com/office/drawing/2014/main" id="{4C121550-CC24-3B33-2D0F-38991CB10775}"/>
               </a:ext>
             </a:extLst>
           </p:cNvPr>
@@ -2902,7 +2902,7 @@
             </a:lvl1pPr>
           </a:lstStyle>
           <a:p>
-            <a:fld id="{21E669C0-B810-43CF-B369-A616ACFD343E}" type="datetimeFigureOut">
+            <a:fld id="{D69AC01F-FA0F-4F37-A2AC-AD95329090D5}" type="datetimeFigureOut">
               <a:rPr lang="zh-CN" altLang="en-US" smtClean="0"/>
               <a:t>2024/3/10</a:t>
             </a:fld>
@@ -2915,7 +2915,7 @@
           <p:cNvPr id="5" name="页脚占位符 4">
             <a:extLst>
               <a:ext uri="{FF2B5EF4-FFF2-40B4-BE49-F238E27FC236}">
-                <a16:creationId xmlns:a16="http://schemas.microsoft.com/office/drawing/2014/main" id="{4BBA705B-C8AC-594F-1C20-EEC40ABDE2E3}"/>
+                <a16:creationId xmlns:a16="http://schemas.microsoft.com/office/drawing/2014/main" id="{E0837D9D-8046-8D41-1811-F18AD3258D67}"/>
               </a:ext>
             </a:extLst>
           </p:cNvPr>
@@ -2958,7 +2958,7 @@
           <p:cNvPr id="6" name="灯片编号占位符 5">
             <a:extLst>
               <a:ext uri="{FF2B5EF4-FFF2-40B4-BE49-F238E27FC236}">
-                <a16:creationId xmlns:a16="http://schemas.microsoft.com/office/drawing/2014/main" id="{F85D69EF-81C2-2650-5429-6BAA29F29BA7}"/>
+                <a16:creationId xmlns:a16="http://schemas.microsoft.com/office/drawing/2014/main" id="{799ADF69-CF06-5F42-BD47-ECE8F1A9214C}"/>
               </a:ext>
             </a:extLst>
           </p:cNvPr>
@@ -2992,7 +2992,7 @@
             </a:lvl1pPr>
           </a:lstStyle>
           <a:p>
-            <a:fld id="{FA0C1F10-42C8-412F-8C9C-1A1E11D0B518}" type="slidenum">
+            <a:fld id="{8F7F42EE-693B-4D92-8DD8-D3B22B95D4B6}" type="slidenum">
               <a:rPr lang="zh-CN" altLang="en-US" smtClean="0"/>
               <a:t>‹#›</a:t>
             </a:fld>
@@ -3003,7 +3003,7 @@
     </p:spTree>
     <p:extLst>
       <p:ext uri="{BB962C8B-B14F-4D97-AF65-F5344CB8AC3E}">
-        <p14:creationId xmlns:p14="http://schemas.microsoft.com/office/powerpoint/2010/main" val="2884181014"/>
+        <p14:creationId xmlns:p14="http://schemas.microsoft.com/office/powerpoint/2010/main" val="3643538582"/>
       </p:ext>
     </p:extLst>
   </p:cSld>
@@ -3323,7 +3323,7 @@
       </p:grpSpPr>
       <p:pic>
         <p:nvPicPr>
-          <p:cNvPr id="922626" name="Picture 2" descr="900"/>
+          <p:cNvPr id="923650" name="Picture 2" descr="901"/>
           <p:cNvPicPr>
             <a:picLocks noChangeAspect="1" noChangeArrowheads="1"/>
           </p:cNvPicPr>
@@ -3344,8 +3344,8 @@
         </p:blipFill>
         <p:spPr bwMode="auto">
           <a:xfrm>
-            <a:off x="1524001" y="0"/>
-            <a:ext cx="9053513" cy="6789738"/>
+            <a:off x="1543050" y="14288"/>
+            <a:ext cx="9124950" cy="6843712"/>
           </a:xfrm>
           <a:prstGeom prst="rect">
             <a:avLst/>
@@ -3375,11 +3375,158 @@
           </a:extLst>
         </p:spPr>
       </p:pic>
+      <p:pic>
+        <p:nvPicPr>
+          <p:cNvPr id="924675" name="Picture 3" descr="901-2"/>
+          <p:cNvPicPr>
+            <a:picLocks noChangeAspect="1" noChangeArrowheads="1"/>
+          </p:cNvPicPr>
+          <p:nvPr/>
+        </p:nvPicPr>
+        <p:blipFill>
+          <a:blip r:embed="rId3">
+            <a:extLst>
+              <a:ext uri="{28A0092B-C50C-407E-A947-70E740481C1C}">
+                <a14:useLocalDpi xmlns:a14="http://schemas.microsoft.com/office/drawing/2010/main" val="0"/>
+              </a:ext>
+            </a:extLst>
+          </a:blip>
+          <a:srcRect/>
+          <a:stretch>
+            <a:fillRect/>
+          </a:stretch>
+        </p:blipFill>
+        <p:spPr bwMode="auto">
+          <a:xfrm>
+            <a:off x="1524000" y="0"/>
+            <a:ext cx="9144000" cy="6858000"/>
+          </a:xfrm>
+          <a:prstGeom prst="rect">
+            <a:avLst/>
+          </a:prstGeom>
+          <a:noFill/>
+          <a:ln>
+            <a:noFill/>
+          </a:ln>
+          <a:effectLst/>
+          <a:extLst>
+            <a:ext uri="{909E8E84-426E-40DD-AFC4-6F175D3DCCD1}">
+              <a14:hiddenFill xmlns:a14="http://schemas.microsoft.com/office/drawing/2010/main">
+                <a:solidFill>
+                  <a:srgbClr val="FFFFFF"/>
+                </a:solidFill>
+              </a14:hiddenFill>
+            </a:ext>
+            <a:ext uri="{91240B29-F687-4F45-9708-019B960494DF}">
+              <a14:hiddenLine xmlns:a14="http://schemas.microsoft.com/office/drawing/2010/main" w="9525">
+                <a:solidFill>
+                  <a:srgbClr val="000000"/>
+                </a:solidFill>
+                <a:miter lim="800000"/>
+                <a:headEnd/>
+                <a:tailEnd/>
+              </a14:hiddenLine>
+            </a:ext>
+            <a:ext uri="{AF507438-7753-43E0-B8FC-AC1667EBCBE1}">
+              <a14:hiddenEffects xmlns:a14="http://schemas.microsoft.com/office/drawing/2010/main">
+                <a:effectLst>
+                  <a:outerShdw dist="35921" dir="2700000" algn="ctr" rotWithShape="0">
+                    <a:srgbClr val="808080"/>
+                  </a:outerShdw>
+                </a:effectLst>
+              </a14:hiddenEffects>
+            </a:ext>
+          </a:extLst>
+        </p:spPr>
+      </p:pic>
     </p:spTree>
   </p:cSld>
   <p:clrMapOvr>
     <a:masterClrMapping/>
   </p:clrMapOvr>
+  <p:timing>
+    <p:tnLst>
+      <p:par>
+        <p:cTn id="1" dur="indefinite" restart="never" nodeType="tmRoot">
+          <p:childTnLst>
+            <p:seq concurrent="1" nextAc="seek">
+              <p:cTn id="2" dur="indefinite" nodeType="mainSeq">
+                <p:childTnLst>
+                  <p:par>
+                    <p:cTn id="3" fill="hold" nodeType="clickPar">
+                      <p:stCondLst>
+                        <p:cond delay="indefinite"/>
+                      </p:stCondLst>
+                      <p:childTnLst>
+                        <p:par>
+                          <p:cTn id="4" fill="hold" nodeType="withGroup">
+                            <p:stCondLst>
+                              <p:cond delay="0"/>
+                            </p:stCondLst>
+                            <p:childTnLst>
+                              <p:par>
+                                <p:cTn id="5" presetID="10" presetClass="entr" presetSubtype="0" fill="hold" nodeType="clickEffect">
+                                  <p:stCondLst>
+                                    <p:cond delay="0"/>
+                                  </p:stCondLst>
+                                  <p:childTnLst>
+                                    <p:set>
+                                      <p:cBhvr>
+                                        <p:cTn id="6" dur="1" fill="hold">
+                                          <p:stCondLst>
+                                            <p:cond delay="0"/>
+                                          </p:stCondLst>
+                                        </p:cTn>
+                                        <p:tgtEl>
+                                          <p:spTgt spid="924675"/>
+                                        </p:tgtEl>
+                                        <p:attrNameLst>
+                                          <p:attrName>style.visibility</p:attrName>
+                                        </p:attrNameLst>
+                                      </p:cBhvr>
+                                      <p:to>
+                                        <p:strVal val="visible"/>
+                                      </p:to>
+                                    </p:set>
+                                    <p:animEffect transition="in" filter="fade">
+                                      <p:cBhvr>
+                                        <p:cTn id="7" dur="500"/>
+                                        <p:tgtEl>
+                                          <p:spTgt spid="924675"/>
+                                        </p:tgtEl>
+                                      </p:cBhvr>
+                                    </p:animEffect>
+                                  </p:childTnLst>
+                                </p:cTn>
+                              </p:par>
+                            </p:childTnLst>
+                          </p:cTn>
+                        </p:par>
+                      </p:childTnLst>
+                    </p:cTn>
+                  </p:par>
+                </p:childTnLst>
+              </p:cTn>
+              <p:prevCondLst>
+                <p:cond evt="onPrev" delay="0">
+                  <p:tgtEl>
+                    <p:sldTgt/>
+                  </p:tgtEl>
+                </p:cond>
+              </p:prevCondLst>
+              <p:nextCondLst>
+                <p:cond evt="onNext" delay="0">
+                  <p:tgtEl>
+                    <p:sldTgt/>
+                  </p:tgtEl>
+                </p:cond>
+              </p:nextCondLst>
+            </p:seq>
+          </p:childTnLst>
+        </p:cTn>
+      </p:par>
+    </p:tnLst>
+  </p:timing>
 </p:sld>
 </file>
 
